--- a/Programación web/PW_Sesion18.pptx
+++ b/Programación web/PW_Sesion18.pptx
@@ -7,20 +7,21 @@
     <p:sldMasterId id="2147483704" r:id="rId3"/>
   </p:sldMasterIdLst>
   <p:notesMasterIdLst>
-    <p:notesMasterId r:id="rId12"/>
+    <p:notesMasterId r:id="rId13"/>
   </p:notesMasterIdLst>
   <p:handoutMasterIdLst>
-    <p:handoutMasterId r:id="rId13"/>
+    <p:handoutMasterId r:id="rId14"/>
   </p:handoutMasterIdLst>
   <p:sldIdLst>
     <p:sldId id="256" r:id="rId4"/>
     <p:sldId id="274" r:id="rId5"/>
-    <p:sldId id="269" r:id="rId6"/>
-    <p:sldId id="270" r:id="rId7"/>
-    <p:sldId id="271" r:id="rId8"/>
-    <p:sldId id="272" r:id="rId9"/>
-    <p:sldId id="273" r:id="rId10"/>
-    <p:sldId id="261" r:id="rId11"/>
+    <p:sldId id="275" r:id="rId6"/>
+    <p:sldId id="269" r:id="rId7"/>
+    <p:sldId id="270" r:id="rId8"/>
+    <p:sldId id="271" r:id="rId9"/>
+    <p:sldId id="272" r:id="rId10"/>
+    <p:sldId id="273" r:id="rId11"/>
+    <p:sldId id="261" r:id="rId12"/>
   </p:sldIdLst>
   <p:sldSz cx="12192000" cy="6858000"/>
   <p:notesSz cx="6858000" cy="9144000"/>
@@ -224,7 +225,7 @@
           <a:p>
             <a:fld id="{7FF7D7FF-DDC7-474C-8526-899954A31AD1}" type="datetimeFigureOut">
               <a:rPr lang="es-EC" smtClean="0"/>
-              <a:t>15/3/2024</a:t>
+              <a:t>31/3/2024</a:t>
             </a:fld>
             <a:endParaRPr lang="es-EC"/>
           </a:p>
@@ -401,7 +402,7 @@
           <a:p>
             <a:fld id="{A266080D-5226-48DF-A08B-67FADEB85FAB}" type="datetimeFigureOut">
               <a:rPr lang="es-419" smtClean="0"/>
-              <a:t>15/3/2024</a:t>
+              <a:t>31/3/2024</a:t>
             </a:fld>
             <a:endParaRPr lang="es-419"/>
           </a:p>
@@ -800,7 +801,7 @@
           <a:p>
             <a:fld id="{8FEB83C7-CE7D-EE43-931B-A983B2AE7CF3}" type="datetimeFigureOut">
               <a:rPr lang="es-EC" smtClean="0"/>
-              <a:t>15/3/2024</a:t>
+              <a:t>31/3/2024</a:t>
             </a:fld>
             <a:endParaRPr lang="es-EC"/>
           </a:p>
@@ -970,7 +971,7 @@
           <a:p>
             <a:fld id="{8FEB83C7-CE7D-EE43-931B-A983B2AE7CF3}" type="datetimeFigureOut">
               <a:rPr lang="es-EC" smtClean="0"/>
-              <a:t>15/3/2024</a:t>
+              <a:t>31/3/2024</a:t>
             </a:fld>
             <a:endParaRPr lang="es-EC"/>
           </a:p>
@@ -1150,7 +1151,7 @@
           <a:p>
             <a:fld id="{8FEB83C7-CE7D-EE43-931B-A983B2AE7CF3}" type="datetimeFigureOut">
               <a:rPr lang="es-EC" smtClean="0"/>
-              <a:t>15/3/2024</a:t>
+              <a:t>31/3/2024</a:t>
             </a:fld>
             <a:endParaRPr lang="es-EC"/>
           </a:p>
@@ -1542,7 +1543,7 @@
           <a:p>
             <a:fld id="{1D8BD707-D9CF-40AE-B4C6-C98DA3205C09}" type="datetimeFigureOut">
               <a:rPr lang="en-US"/>
-              <a:t>3/15/2024</a:t>
+              <a:t>3/31/2024</a:t>
             </a:fld>
             <a:endParaRPr lang="en-US"/>
           </a:p>
@@ -1753,7 +1754,7 @@
           <a:p>
             <a:fld id="{1D8BD707-D9CF-40AE-B4C6-C98DA3205C09}" type="datetimeFigureOut">
               <a:rPr lang="en-US"/>
-              <a:t>3/15/2024</a:t>
+              <a:t>3/31/2024</a:t>
             </a:fld>
             <a:endParaRPr lang="en-US"/>
           </a:p>
@@ -1977,7 +1978,7 @@
           <a:p>
             <a:fld id="{1D8BD707-D9CF-40AE-B4C6-C98DA3205C09}" type="datetimeFigureOut">
               <a:rPr lang="en-US"/>
-              <a:t>3/15/2024</a:t>
+              <a:t>3/31/2024</a:t>
             </a:fld>
             <a:endParaRPr lang="en-US"/>
           </a:p>
@@ -2165,7 +2166,7 @@
           <a:p>
             <a:fld id="{1D8BD707-D9CF-40AE-B4C6-C98DA3205C09}" type="datetimeFigureOut">
               <a:rPr lang="en-US"/>
-              <a:t>3/15/2024</a:t>
+              <a:t>3/31/2024</a:t>
             </a:fld>
             <a:endParaRPr lang="en-US"/>
           </a:p>
@@ -2289,7 +2290,7 @@
           <a:p>
             <a:fld id="{1D8BD707-D9CF-40AE-B4C6-C98DA3205C09}" type="datetimeFigureOut">
               <a:rPr lang="en-US"/>
-              <a:t>3/15/2024</a:t>
+              <a:t>3/31/2024</a:t>
             </a:fld>
             <a:endParaRPr lang="en-US"/>
           </a:p>
@@ -2449,7 +2450,7 @@
           <a:p>
             <a:fld id="{8FEB83C7-CE7D-EE43-931B-A983B2AE7CF3}" type="datetimeFigureOut">
               <a:rPr lang="es-EC" smtClean="0"/>
-              <a:t>15/3/2024</a:t>
+              <a:t>31/3/2024</a:t>
             </a:fld>
             <a:endParaRPr lang="es-EC"/>
           </a:p>
@@ -2916,7 +2917,7 @@
           <a:p>
             <a:fld id="{8FEB83C7-CE7D-EE43-931B-A983B2AE7CF3}" type="datetimeFigureOut">
               <a:rPr lang="es-EC" smtClean="0"/>
-              <a:t>15/3/2024</a:t>
+              <a:t>31/3/2024</a:t>
             </a:fld>
             <a:endParaRPr lang="es-EC"/>
           </a:p>
@@ -3148,7 +3149,7 @@
           <a:p>
             <a:fld id="{8FEB83C7-CE7D-EE43-931B-A983B2AE7CF3}" type="datetimeFigureOut">
               <a:rPr lang="es-EC" smtClean="0"/>
-              <a:t>15/3/2024</a:t>
+              <a:t>31/3/2024</a:t>
             </a:fld>
             <a:endParaRPr lang="es-EC"/>
           </a:p>
@@ -3515,7 +3516,7 @@
           <a:p>
             <a:fld id="{8FEB83C7-CE7D-EE43-931B-A983B2AE7CF3}" type="datetimeFigureOut">
               <a:rPr lang="es-EC" smtClean="0"/>
-              <a:t>15/3/2024</a:t>
+              <a:t>31/3/2024</a:t>
             </a:fld>
             <a:endParaRPr lang="es-EC"/>
           </a:p>
@@ -3633,7 +3634,7 @@
           <a:p>
             <a:fld id="{8FEB83C7-CE7D-EE43-931B-A983B2AE7CF3}" type="datetimeFigureOut">
               <a:rPr lang="es-EC" smtClean="0"/>
-              <a:t>15/3/2024</a:t>
+              <a:t>31/3/2024</a:t>
             </a:fld>
             <a:endParaRPr lang="es-EC"/>
           </a:p>
@@ -3728,7 +3729,7 @@
           <a:p>
             <a:fld id="{8FEB83C7-CE7D-EE43-931B-A983B2AE7CF3}" type="datetimeFigureOut">
               <a:rPr lang="es-EC" smtClean="0"/>
-              <a:t>15/3/2024</a:t>
+              <a:t>31/3/2024</a:t>
             </a:fld>
             <a:endParaRPr lang="es-EC"/>
           </a:p>
@@ -4005,7 +4006,7 @@
           <a:p>
             <a:fld id="{8FEB83C7-CE7D-EE43-931B-A983B2AE7CF3}" type="datetimeFigureOut">
               <a:rPr lang="es-EC" smtClean="0"/>
-              <a:t>15/3/2024</a:t>
+              <a:t>31/3/2024</a:t>
             </a:fld>
             <a:endParaRPr lang="es-EC"/>
           </a:p>
@@ -4262,7 +4263,7 @@
           <a:p>
             <a:fld id="{8FEB83C7-CE7D-EE43-931B-A983B2AE7CF3}" type="datetimeFigureOut">
               <a:rPr lang="es-EC" smtClean="0"/>
-              <a:t>15/3/2024</a:t>
+              <a:t>31/3/2024</a:t>
             </a:fld>
             <a:endParaRPr lang="es-EC"/>
           </a:p>
@@ -4475,7 +4476,7 @@
           <a:p>
             <a:fld id="{8FEB83C7-CE7D-EE43-931B-A983B2AE7CF3}" type="datetimeFigureOut">
               <a:rPr lang="es-EC" smtClean="0"/>
-              <a:t>15/3/2024</a:t>
+              <a:t>31/3/2024</a:t>
             </a:fld>
             <a:endParaRPr lang="es-EC"/>
           </a:p>
@@ -5039,7 +5040,7 @@
           <a:p>
             <a:fld id="{1D8BD707-D9CF-40AE-B4C6-C98DA3205C09}" type="datetimeFigureOut">
               <a:rPr lang="en-US"/>
-              <a:t>3/15/2024</a:t>
+              <a:t>3/31/2024</a:t>
             </a:fld>
             <a:endParaRPr lang="en-US"/>
           </a:p>
@@ -5391,7 +5392,7 @@
           <a:p>
             <a:fld id="{8FEB83C7-CE7D-EE43-931B-A983B2AE7CF3}" type="datetimeFigureOut">
               <a:rPr lang="es-EC" smtClean="0"/>
-              <a:t>15/3/2024</a:t>
+              <a:t>31/3/2024</a:t>
             </a:fld>
             <a:endParaRPr lang="es-EC"/>
           </a:p>
@@ -5850,8 +5851,8 @@
         </p:nvSpPr>
         <p:spPr>
           <a:xfrm>
-            <a:off x="8169232" y="5099201"/>
-            <a:ext cx="2872325" cy="369332"/>
+            <a:off x="7497427" y="5099201"/>
+            <a:ext cx="4450962" cy="646331"/>
           </a:xfrm>
           <a:prstGeom prst="rect">
             <a:avLst/>
@@ -5866,7 +5867,13 @@
           <a:p>
             <a:r>
               <a:rPr lang="es-419" dirty="0"/>
-              <a:t>Sesión 18:  </a:t>
+              <a:t>Sesión 18:  Implementación de sitios web con</a:t>
+            </a:r>
+          </a:p>
+          <a:p>
+            <a:r>
+              <a:rPr lang="es-419" dirty="0"/>
+              <a:t>                       </a:t>
             </a:r>
             <a:r>
               <a:rPr lang="es-419" dirty="0" err="1"/>
@@ -6052,6 +6059,180 @@
 </file>
 
 <file path=ppt/slides/slide3.xml><?xml version="1.0" encoding="utf-8"?>
+<p:sld xmlns:a="http://schemas.openxmlformats.org/drawingml/2006/main" xmlns:r="http://schemas.openxmlformats.org/officeDocument/2006/relationships" xmlns:p="http://schemas.openxmlformats.org/presentationml/2006/main">
+  <p:cSld>
+    <p:spTree>
+      <p:nvGrpSpPr>
+        <p:cNvPr id="1" name=""/>
+        <p:cNvGrpSpPr/>
+        <p:nvPr/>
+      </p:nvGrpSpPr>
+      <p:grpSpPr>
+        <a:xfrm>
+          <a:off x="0" y="0"/>
+          <a:ext cx="0" cy="0"/>
+          <a:chOff x="0" y="0"/>
+          <a:chExt cx="0" cy="0"/>
+        </a:xfrm>
+      </p:grpSpPr>
+      <p:sp>
+        <p:nvSpPr>
+          <p:cNvPr id="2" name="Título 1">
+            <a:extLst>
+              <a:ext uri="{FF2B5EF4-FFF2-40B4-BE49-F238E27FC236}">
+                <a16:creationId xmlns:a16="http://schemas.microsoft.com/office/drawing/2014/main" id="{B8ABAACC-5240-4E68-A4E9-ACA6E7A4B0A2}"/>
+              </a:ext>
+            </a:extLst>
+          </p:cNvPr>
+          <p:cNvSpPr>
+            <a:spLocks noGrp="1"/>
+          </p:cNvSpPr>
+          <p:nvPr>
+            <p:ph type="title" idx="4294967295"/>
+          </p:nvPr>
+        </p:nvSpPr>
+        <p:spPr>
+          <a:xfrm>
+            <a:off x="343079" y="1409161"/>
+            <a:ext cx="11218985" cy="295642"/>
+          </a:xfrm>
+        </p:spPr>
+        <p:txBody>
+          <a:bodyPr>
+            <a:noAutofit/>
+          </a:bodyPr>
+          <a:lstStyle/>
+          <a:p>
+            <a:pPr algn="ctr"/>
+            <a:r>
+              <a:rPr lang="es-EC" sz="3200" b="1" dirty="0"/>
+              <a:t>Agenda</a:t>
+            </a:r>
+          </a:p>
+        </p:txBody>
+      </p:sp>
+      <p:sp>
+        <p:nvSpPr>
+          <p:cNvPr id="3" name="Marcador de contenido 2">
+            <a:extLst>
+              <a:ext uri="{FF2B5EF4-FFF2-40B4-BE49-F238E27FC236}">
+                <a16:creationId xmlns:a16="http://schemas.microsoft.com/office/drawing/2014/main" id="{055CBC30-9FA5-4F46-97C3-766A43887EE6}"/>
+              </a:ext>
+            </a:extLst>
+          </p:cNvPr>
+          <p:cNvSpPr>
+            <a:spLocks noGrp="1"/>
+          </p:cNvSpPr>
+          <p:nvPr>
+            <p:ph idx="4294967295"/>
+          </p:nvPr>
+        </p:nvSpPr>
+        <p:spPr>
+          <a:xfrm>
+            <a:off x="492369" y="2012615"/>
+            <a:ext cx="11218985" cy="1171984"/>
+          </a:xfrm>
+        </p:spPr>
+        <p:txBody>
+          <a:bodyPr>
+            <a:normAutofit/>
+          </a:bodyPr>
+          <a:lstStyle/>
+          <a:p>
+            <a:pPr marL="457200" indent="-457200" algn="ctr">
+              <a:buAutoNum type="arabicPeriod"/>
+            </a:pPr>
+            <a:r>
+              <a:rPr lang="es-EC" sz="2000" dirty="0"/>
+              <a:t>SEO y analítica web</a:t>
+            </a:r>
+          </a:p>
+          <a:p>
+            <a:pPr marL="457200" indent="-457200" algn="ctr">
+              <a:buAutoNum type="arabicPeriod"/>
+            </a:pPr>
+            <a:r>
+              <a:rPr lang="es-EC" sz="2000" dirty="0"/>
+              <a:t>Tendencias futuras</a:t>
+            </a:r>
+          </a:p>
+          <a:p>
+            <a:pPr marL="457200" indent="-457200" algn="ctr">
+              <a:buAutoNum type="arabicPeriod"/>
+            </a:pPr>
+            <a:r>
+              <a:rPr lang="es-EC" sz="2000" dirty="0"/>
+              <a:t>Despliegue </a:t>
+            </a:r>
+            <a:r>
+              <a:rPr lang="es-EC" sz="2000" dirty="0" err="1"/>
+              <a:t>PyScript</a:t>
+            </a:r>
+            <a:endParaRPr lang="es-EC" sz="2000" dirty="0"/>
+          </a:p>
+        </p:txBody>
+      </p:sp>
+      <p:pic>
+        <p:nvPicPr>
+          <p:cNvPr id="2050" name="Picture 2" descr="870.700+ Agenda Fotografías de stock, fotos e imágenes libres de derechos -  iStock | Calendario, Indice, Reloj">
+            <a:extLst>
+              <a:ext uri="{FF2B5EF4-FFF2-40B4-BE49-F238E27FC236}">
+                <a16:creationId xmlns:a16="http://schemas.microsoft.com/office/drawing/2014/main" id="{62461B0E-7D99-532C-B023-030084F16629}"/>
+              </a:ext>
+            </a:extLst>
+          </p:cNvPr>
+          <p:cNvPicPr>
+            <a:picLocks noChangeAspect="1" noChangeArrowheads="1"/>
+          </p:cNvPicPr>
+          <p:nvPr/>
+        </p:nvPicPr>
+        <p:blipFill>
+          <a:blip r:embed="rId2">
+            <a:extLst>
+              <a:ext uri="{28A0092B-C50C-407E-A947-70E740481C1C}">
+                <a14:useLocalDpi xmlns:a14="http://schemas.microsoft.com/office/drawing/2010/main" val="0"/>
+              </a:ext>
+            </a:extLst>
+          </a:blip>
+          <a:srcRect/>
+          <a:stretch>
+            <a:fillRect/>
+          </a:stretch>
+        </p:blipFill>
+        <p:spPr bwMode="auto">
+          <a:xfrm>
+            <a:off x="4818289" y="3429000"/>
+            <a:ext cx="2555421" cy="2555421"/>
+          </a:xfrm>
+          <a:prstGeom prst="rect">
+            <a:avLst/>
+          </a:prstGeom>
+          <a:noFill/>
+          <a:extLst>
+            <a:ext uri="{909E8E84-426E-40DD-AFC4-6F175D3DCCD1}">
+              <a14:hiddenFill xmlns:a14="http://schemas.microsoft.com/office/drawing/2010/main">
+                <a:solidFill>
+                  <a:srgbClr val="FFFFFF"/>
+                </a:solidFill>
+              </a14:hiddenFill>
+            </a:ext>
+          </a:extLst>
+        </p:spPr>
+      </p:pic>
+    </p:spTree>
+    <p:extLst>
+      <p:ext uri="{BB962C8B-B14F-4D97-AF65-F5344CB8AC3E}">
+        <p14:creationId xmlns:p14="http://schemas.microsoft.com/office/powerpoint/2010/main" val="15895652"/>
+      </p:ext>
+    </p:extLst>
+  </p:cSld>
+  <p:clrMapOvr>
+    <a:masterClrMapping/>
+  </p:clrMapOvr>
+</p:sld>
+</file>
+
+<file path=ppt/slides/slide4.xml><?xml version="1.0" encoding="utf-8"?>
 <p:sld xmlns:a="http://schemas.openxmlformats.org/drawingml/2006/main" xmlns:r="http://schemas.openxmlformats.org/officeDocument/2006/relationships" xmlns:p="http://schemas.openxmlformats.org/presentationml/2006/main">
   <p:cSld>
     <p:spTree>
@@ -6606,7 +6787,7 @@
 </p:sld>
 </file>
 
-<file path=ppt/slides/slide4.xml><?xml version="1.0" encoding="utf-8"?>
+<file path=ppt/slides/slide5.xml><?xml version="1.0" encoding="utf-8"?>
 <p:sld xmlns:a="http://schemas.openxmlformats.org/drawingml/2006/main" xmlns:r="http://schemas.openxmlformats.org/officeDocument/2006/relationships" xmlns:p="http://schemas.openxmlformats.org/presentationml/2006/main">
   <p:cSld>
     <p:spTree>
@@ -7098,7 +7279,7 @@
 </p:sld>
 </file>
 
-<file path=ppt/slides/slide5.xml><?xml version="1.0" encoding="utf-8"?>
+<file path=ppt/slides/slide6.xml><?xml version="1.0" encoding="utf-8"?>
 <p:sld xmlns:a="http://schemas.openxmlformats.org/drawingml/2006/main" xmlns:r="http://schemas.openxmlformats.org/officeDocument/2006/relationships" xmlns:p="http://schemas.openxmlformats.org/presentationml/2006/main" showMasterSp="0">
   <p:cSld>
     <p:spTree>
@@ -7557,7 +7738,7 @@
 </p:sld>
 </file>
 
-<file path=ppt/slides/slide6.xml><?xml version="1.0" encoding="utf-8"?>
+<file path=ppt/slides/slide7.xml><?xml version="1.0" encoding="utf-8"?>
 <p:sld xmlns:a="http://schemas.openxmlformats.org/drawingml/2006/main" xmlns:r="http://schemas.openxmlformats.org/officeDocument/2006/relationships" xmlns:p="http://schemas.openxmlformats.org/presentationml/2006/main">
   <p:cSld>
     <p:spTree>
@@ -8139,7 +8320,7 @@
 </p:sld>
 </file>
 
-<file path=ppt/slides/slide7.xml><?xml version="1.0" encoding="utf-8"?>
+<file path=ppt/slides/slide8.xml><?xml version="1.0" encoding="utf-8"?>
 <p:sld xmlns:a="http://schemas.openxmlformats.org/drawingml/2006/main" xmlns:r="http://schemas.openxmlformats.org/officeDocument/2006/relationships" xmlns:p="http://schemas.openxmlformats.org/presentationml/2006/main" showMasterSp="0">
   <p:cSld>
     <p:spTree>
@@ -8867,7 +9048,7 @@
 </p:sld>
 </file>
 
-<file path=ppt/slides/slide8.xml><?xml version="1.0" encoding="utf-8"?>
+<file path=ppt/slides/slide9.xml><?xml version="1.0" encoding="utf-8"?>
 <p:sld xmlns:a="http://schemas.openxmlformats.org/drawingml/2006/main" xmlns:r="http://schemas.openxmlformats.org/officeDocument/2006/relationships" xmlns:p="http://schemas.openxmlformats.org/presentationml/2006/main">
   <p:cSld>
     <p:spTree>
